--- a/doc/final/final.pptx
+++ b/doc/final/final.pptx
@@ -237,7 +237,7 @@
           <a:p>
             <a:fld id="{D030C7C7-03CD-4795-B53B-23AEE18BEC14}" type="datetimeFigureOut">
               <a:rPr lang="ko-KR" altLang="en-US" smtClean="0"/>
-              <a:t>2022-09-19</a:t>
+              <a:t>2022-09-20</a:t>
             </a:fld>
             <a:endParaRPr lang="ko-KR" altLang="en-US"/>
           </a:p>
@@ -812,7 +812,7 @@
           <a:p>
             <a:fld id="{49E80B48-20C4-4767-B33D-1CB9E86722C6}" type="datetimeFigureOut">
               <a:rPr lang="ko-KR" altLang="en-US" smtClean="0"/>
-              <a:t>2022-09-19</a:t>
+              <a:t>2022-09-20</a:t>
             </a:fld>
             <a:endParaRPr lang="ko-KR" altLang="en-US"/>
           </a:p>
@@ -982,7 +982,7 @@
           <a:p>
             <a:fld id="{49E80B48-20C4-4767-B33D-1CB9E86722C6}" type="datetimeFigureOut">
               <a:rPr lang="ko-KR" altLang="en-US" smtClean="0"/>
-              <a:t>2022-09-19</a:t>
+              <a:t>2022-09-20</a:t>
             </a:fld>
             <a:endParaRPr lang="ko-KR" altLang="en-US"/>
           </a:p>
@@ -1162,7 +1162,7 @@
           <a:p>
             <a:fld id="{49E80B48-20C4-4767-B33D-1CB9E86722C6}" type="datetimeFigureOut">
               <a:rPr lang="ko-KR" altLang="en-US" smtClean="0"/>
-              <a:t>2022-09-19</a:t>
+              <a:t>2022-09-20</a:t>
             </a:fld>
             <a:endParaRPr lang="ko-KR" altLang="en-US"/>
           </a:p>
@@ -1332,7 +1332,7 @@
           <a:p>
             <a:fld id="{49E80B48-20C4-4767-B33D-1CB9E86722C6}" type="datetimeFigureOut">
               <a:rPr lang="ko-KR" altLang="en-US" smtClean="0"/>
-              <a:t>2022-09-19</a:t>
+              <a:t>2022-09-20</a:t>
             </a:fld>
             <a:endParaRPr lang="ko-KR" altLang="en-US"/>
           </a:p>
@@ -1590,7 +1590,7 @@
           <a:p>
             <a:fld id="{49E80B48-20C4-4767-B33D-1CB9E86722C6}" type="datetimeFigureOut">
               <a:rPr lang="ko-KR" altLang="en-US" smtClean="0"/>
-              <a:t>2022-09-19</a:t>
+              <a:t>2022-09-20</a:t>
             </a:fld>
             <a:endParaRPr lang="ko-KR" altLang="en-US"/>
           </a:p>
@@ -1878,7 +1878,7 @@
           <a:p>
             <a:fld id="{49E80B48-20C4-4767-B33D-1CB9E86722C6}" type="datetimeFigureOut">
               <a:rPr lang="ko-KR" altLang="en-US" smtClean="0"/>
-              <a:t>2022-09-19</a:t>
+              <a:t>2022-09-20</a:t>
             </a:fld>
             <a:endParaRPr lang="ko-KR" altLang="en-US"/>
           </a:p>
@@ -2320,7 +2320,7 @@
           <a:p>
             <a:fld id="{49E80B48-20C4-4767-B33D-1CB9E86722C6}" type="datetimeFigureOut">
               <a:rPr lang="ko-KR" altLang="en-US" smtClean="0"/>
-              <a:t>2022-09-19</a:t>
+              <a:t>2022-09-20</a:t>
             </a:fld>
             <a:endParaRPr lang="ko-KR" altLang="en-US"/>
           </a:p>
@@ -2438,7 +2438,7 @@
           <a:p>
             <a:fld id="{49E80B48-20C4-4767-B33D-1CB9E86722C6}" type="datetimeFigureOut">
               <a:rPr lang="ko-KR" altLang="en-US" smtClean="0"/>
-              <a:t>2022-09-19</a:t>
+              <a:t>2022-09-20</a:t>
             </a:fld>
             <a:endParaRPr lang="ko-KR" altLang="en-US"/>
           </a:p>
@@ -2533,7 +2533,7 @@
           <a:p>
             <a:fld id="{49E80B48-20C4-4767-B33D-1CB9E86722C6}" type="datetimeFigureOut">
               <a:rPr lang="ko-KR" altLang="en-US" smtClean="0"/>
-              <a:t>2022-09-19</a:t>
+              <a:t>2022-09-20</a:t>
             </a:fld>
             <a:endParaRPr lang="ko-KR" altLang="en-US"/>
           </a:p>
@@ -2821,7 +2821,7 @@
           <a:p>
             <a:fld id="{49E80B48-20C4-4767-B33D-1CB9E86722C6}" type="datetimeFigureOut">
               <a:rPr lang="ko-KR" altLang="en-US" smtClean="0"/>
-              <a:t>2022-09-19</a:t>
+              <a:t>2022-09-20</a:t>
             </a:fld>
             <a:endParaRPr lang="ko-KR" altLang="en-US"/>
           </a:p>
@@ -3094,7 +3094,7 @@
           <a:p>
             <a:fld id="{49E80B48-20C4-4767-B33D-1CB9E86722C6}" type="datetimeFigureOut">
               <a:rPr lang="ko-KR" altLang="en-US" smtClean="0"/>
-              <a:t>2022-09-19</a:t>
+              <a:t>2022-09-20</a:t>
             </a:fld>
             <a:endParaRPr lang="ko-KR" altLang="en-US"/>
           </a:p>
@@ -3391,7 +3391,7 @@
           <a:p>
             <a:fld id="{49E80B48-20C4-4767-B33D-1CB9E86722C6}" type="datetimeFigureOut">
               <a:rPr lang="ko-KR" altLang="en-US" smtClean="0"/>
-              <a:t>2022-09-19</a:t>
+              <a:t>2022-09-20</a:t>
             </a:fld>
             <a:endParaRPr lang="ko-KR" altLang="en-US"/>
           </a:p>
@@ -11909,7 +11909,12 @@
             <p:ph type="title"/>
           </p:nvPr>
         </p:nvSpPr>
-        <p:spPr/>
+        <p:spPr>
+          <a:xfrm>
+            <a:off x="252919" y="1123837"/>
+            <a:ext cx="2947482" cy="2175175"/>
+          </a:xfrm>
+        </p:spPr>
         <p:txBody>
           <a:bodyPr/>
           <a:lstStyle/>
@@ -12070,7 +12075,12 @@
             <p:ph type="title"/>
           </p:nvPr>
         </p:nvSpPr>
-        <p:spPr/>
+        <p:spPr>
+          <a:xfrm>
+            <a:off x="252919" y="1123838"/>
+            <a:ext cx="2947482" cy="2112422"/>
+          </a:xfrm>
+        </p:spPr>
         <p:txBody>
           <a:bodyPr/>
           <a:lstStyle/>
@@ -12444,7 +12454,7 @@
             <a:r>
               <a:rPr lang="ko-KR" altLang="en-US" sz="4000" spc="-100" dirty="0">
                 <a:solidFill>
-                  <a:schemeClr val="tx1"/>
+                  <a:schemeClr val="bg1"/>
                 </a:solidFill>
                 <a:latin typeface="+mj-lt"/>
                 <a:ea typeface="+mj-ea"/>
@@ -12453,7 +12463,7 @@
             </a:r>
             <a:endParaRPr lang="en-US" altLang="ko-KR" sz="4000" spc="-100" dirty="0">
               <a:solidFill>
-                <a:schemeClr val="tx1"/>
+                <a:schemeClr val="bg1"/>
               </a:solidFill>
               <a:latin typeface="+mj-lt"/>
               <a:ea typeface="+mj-ea"/>
@@ -12461,309 +12471,330 @@
           </a:p>
         </p:txBody>
       </p:sp>
-      <p:pic>
-        <p:nvPicPr>
-          <p:cNvPr id="8" name="그림 7">
-            <a:extLst>
-              <a:ext uri="{FF2B5EF4-FFF2-40B4-BE49-F238E27FC236}">
-                <a16:creationId xmlns:a16="http://schemas.microsoft.com/office/drawing/2014/main" id="{2B17E69C-E32C-7E63-44BE-AE627C9FB2C1}"/>
-              </a:ext>
-            </a:extLst>
-          </p:cNvPr>
-          <p:cNvPicPr>
-            <a:picLocks noChangeAspect="1"/>
-          </p:cNvPicPr>
+      <p:grpSp>
+        <p:nvGrpSpPr>
+          <p:cNvPr id="2" name="그룹 1">
+            <a:extLst>
+              <a:ext uri="{FF2B5EF4-FFF2-40B4-BE49-F238E27FC236}">
+                <a16:creationId xmlns:a16="http://schemas.microsoft.com/office/drawing/2014/main" id="{6CBDE63E-6DCA-EBAB-BDFD-5DB630FC1A3D}"/>
+              </a:ext>
+            </a:extLst>
+          </p:cNvPr>
+          <p:cNvGrpSpPr/>
           <p:nvPr/>
-        </p:nvPicPr>
-        <p:blipFill>
-          <a:blip r:embed="rId2"/>
-          <a:stretch>
-            <a:fillRect/>
-          </a:stretch>
-        </p:blipFill>
-        <p:spPr>
-          <a:xfrm>
-            <a:off x="167416" y="1437896"/>
+        </p:nvGrpSpPr>
+        <p:grpSpPr>
+          <a:xfrm>
+            <a:off x="2785110" y="1504080"/>
             <a:ext cx="9000016" cy="4543804"/>
-          </a:xfrm>
-          <a:prstGeom prst="rect">
-            <a:avLst/>
-          </a:prstGeom>
-        </p:spPr>
-      </p:pic>
-      <p:sp>
-        <p:nvSpPr>
-          <p:cNvPr id="9" name="직사각형 8">
-            <a:extLst>
-              <a:ext uri="{FF2B5EF4-FFF2-40B4-BE49-F238E27FC236}">
-                <a16:creationId xmlns:a16="http://schemas.microsoft.com/office/drawing/2014/main" id="{5C65E900-5B13-BF34-301D-804FD870F211}"/>
-              </a:ext>
-            </a:extLst>
-          </p:cNvPr>
-          <p:cNvSpPr/>
-          <p:nvPr/>
-        </p:nvSpPr>
-        <p:spPr>
-          <a:xfrm>
-            <a:off x="297180" y="2754630"/>
-            <a:ext cx="411480" cy="228600"/>
-          </a:xfrm>
-          <a:prstGeom prst="rect">
-            <a:avLst/>
-          </a:prstGeom>
-          <a:noFill/>
-          <a:ln w="38100">
-            <a:solidFill>
-              <a:srgbClr val="FF0000"/>
-            </a:solidFill>
-          </a:ln>
-        </p:spPr>
-        <p:style>
-          <a:lnRef idx="2">
-            <a:schemeClr val="accent1">
-              <a:shade val="50000"/>
-            </a:schemeClr>
-          </a:lnRef>
-          <a:fillRef idx="1">
-            <a:schemeClr val="accent1"/>
-          </a:fillRef>
-          <a:effectRef idx="0">
-            <a:schemeClr val="accent1"/>
-          </a:effectRef>
-          <a:fontRef idx="minor">
-            <a:schemeClr val="lt1"/>
-          </a:fontRef>
-        </p:style>
-        <p:txBody>
-          <a:bodyPr rtlCol="0" anchor="ctr"/>
-          <a:lstStyle/>
-          <a:p>
-            <a:pPr algn="ctr"/>
-            <a:endParaRPr lang="ko-KR" altLang="en-US"/>
-          </a:p>
-        </p:txBody>
-      </p:sp>
-      <p:sp>
-        <p:nvSpPr>
-          <p:cNvPr id="20" name="직사각형 19">
-            <a:extLst>
-              <a:ext uri="{FF2B5EF4-FFF2-40B4-BE49-F238E27FC236}">
-                <a16:creationId xmlns:a16="http://schemas.microsoft.com/office/drawing/2014/main" id="{5C739CF4-D0FE-0844-7CED-E06A958C0638}"/>
-              </a:ext>
-            </a:extLst>
-          </p:cNvPr>
-          <p:cNvSpPr/>
-          <p:nvPr/>
-        </p:nvSpPr>
-        <p:spPr>
-          <a:xfrm>
-            <a:off x="6949439" y="1741170"/>
-            <a:ext cx="2035555" cy="445770"/>
-          </a:xfrm>
-          <a:prstGeom prst="rect">
-            <a:avLst/>
-          </a:prstGeom>
-          <a:noFill/>
-          <a:ln w="38100">
-            <a:solidFill>
-              <a:srgbClr val="FF0000"/>
-            </a:solidFill>
-          </a:ln>
-        </p:spPr>
-        <p:style>
-          <a:lnRef idx="2">
-            <a:schemeClr val="accent1">
-              <a:shade val="50000"/>
-            </a:schemeClr>
-          </a:lnRef>
-          <a:fillRef idx="1">
-            <a:schemeClr val="accent1"/>
-          </a:fillRef>
-          <a:effectRef idx="0">
-            <a:schemeClr val="accent1"/>
-          </a:effectRef>
-          <a:fontRef idx="minor">
-            <a:schemeClr val="lt1"/>
-          </a:fontRef>
-        </p:style>
-        <p:txBody>
-          <a:bodyPr rtlCol="0" anchor="ctr"/>
-          <a:lstStyle/>
-          <a:p>
-            <a:pPr algn="ctr"/>
-            <a:endParaRPr lang="ko-KR" altLang="en-US"/>
-          </a:p>
-        </p:txBody>
-      </p:sp>
-      <p:sp>
-        <p:nvSpPr>
-          <p:cNvPr id="10" name="TextBox 9">
-            <a:extLst>
-              <a:ext uri="{FF2B5EF4-FFF2-40B4-BE49-F238E27FC236}">
-                <a16:creationId xmlns:a16="http://schemas.microsoft.com/office/drawing/2014/main" id="{B4E314D9-CB6D-BC88-9C45-29D4D99D367A}"/>
-              </a:ext>
-            </a:extLst>
-          </p:cNvPr>
-          <p:cNvSpPr txBox="1"/>
-          <p:nvPr/>
-        </p:nvSpPr>
-        <p:spPr>
-          <a:xfrm>
-            <a:off x="624297" y="2155629"/>
-            <a:ext cx="678723" cy="369332"/>
-          </a:xfrm>
-          <a:prstGeom prst="rect">
-            <a:avLst/>
-          </a:prstGeom>
-          <a:noFill/>
-        </p:spPr>
-        <p:txBody>
-          <a:bodyPr wrap="square" rtlCol="0">
-            <a:spAutoFit/>
-          </a:bodyPr>
-          <a:lstStyle/>
-          <a:p>
-            <a:r>
-              <a:rPr lang="ko-KR" altLang="en-US">
+            <a:chOff x="167416" y="1437896"/>
+            <a:chExt cx="9000016" cy="4543804"/>
+          </a:xfrm>
+        </p:grpSpPr>
+        <p:pic>
+          <p:nvPicPr>
+            <p:cNvPr id="8" name="그림 7">
+              <a:extLst>
+                <a:ext uri="{FF2B5EF4-FFF2-40B4-BE49-F238E27FC236}">
+                  <a16:creationId xmlns:a16="http://schemas.microsoft.com/office/drawing/2014/main" id="{2B17E69C-E32C-7E63-44BE-AE627C9FB2C1}"/>
+                </a:ext>
+              </a:extLst>
+            </p:cNvPr>
+            <p:cNvPicPr>
+              <a:picLocks noChangeAspect="1"/>
+            </p:cNvPicPr>
+            <p:nvPr/>
+          </p:nvPicPr>
+          <p:blipFill>
+            <a:blip r:embed="rId2"/>
+            <a:stretch>
+              <a:fillRect/>
+            </a:stretch>
+          </p:blipFill>
+          <p:spPr>
+            <a:xfrm>
+              <a:off x="167416" y="1437896"/>
+              <a:ext cx="9000016" cy="4543804"/>
+            </a:xfrm>
+            <a:prstGeom prst="rect">
+              <a:avLst/>
+            </a:prstGeom>
+          </p:spPr>
+        </p:pic>
+        <p:sp>
+          <p:nvSpPr>
+            <p:cNvPr id="9" name="직사각형 8">
+              <a:extLst>
+                <a:ext uri="{FF2B5EF4-FFF2-40B4-BE49-F238E27FC236}">
+                  <a16:creationId xmlns:a16="http://schemas.microsoft.com/office/drawing/2014/main" id="{5C65E900-5B13-BF34-301D-804FD870F211}"/>
+                </a:ext>
+              </a:extLst>
+            </p:cNvPr>
+            <p:cNvSpPr/>
+            <p:nvPr/>
+          </p:nvSpPr>
+          <p:spPr>
+            <a:xfrm>
+              <a:off x="297180" y="2754630"/>
+              <a:ext cx="411480" cy="228600"/>
+            </a:xfrm>
+            <a:prstGeom prst="rect">
+              <a:avLst/>
+            </a:prstGeom>
+            <a:noFill/>
+            <a:ln w="38100">
+              <a:solidFill>
+                <a:srgbClr val="FF0000"/>
+              </a:solidFill>
+            </a:ln>
+          </p:spPr>
+          <p:style>
+            <a:lnRef idx="2">
+              <a:schemeClr val="accent1">
+                <a:shade val="50000"/>
+              </a:schemeClr>
+            </a:lnRef>
+            <a:fillRef idx="1">
+              <a:schemeClr val="accent1"/>
+            </a:fillRef>
+            <a:effectRef idx="0">
+              <a:schemeClr val="accent1"/>
+            </a:effectRef>
+            <a:fontRef idx="minor">
+              <a:schemeClr val="lt1"/>
+            </a:fontRef>
+          </p:style>
+          <p:txBody>
+            <a:bodyPr rtlCol="0" anchor="ctr"/>
+            <a:lstStyle/>
+            <a:p>
+              <a:pPr algn="ctr"/>
+              <a:endParaRPr lang="ko-KR" altLang="en-US"/>
+            </a:p>
+          </p:txBody>
+        </p:sp>
+        <p:sp>
+          <p:nvSpPr>
+            <p:cNvPr id="20" name="직사각형 19">
+              <a:extLst>
+                <a:ext uri="{FF2B5EF4-FFF2-40B4-BE49-F238E27FC236}">
+                  <a16:creationId xmlns:a16="http://schemas.microsoft.com/office/drawing/2014/main" id="{5C739CF4-D0FE-0844-7CED-E06A958C0638}"/>
+                </a:ext>
+              </a:extLst>
+            </p:cNvPr>
+            <p:cNvSpPr/>
+            <p:nvPr/>
+          </p:nvSpPr>
+          <p:spPr>
+            <a:xfrm>
+              <a:off x="6949439" y="1741170"/>
+              <a:ext cx="2035555" cy="445770"/>
+            </a:xfrm>
+            <a:prstGeom prst="rect">
+              <a:avLst/>
+            </a:prstGeom>
+            <a:noFill/>
+            <a:ln w="38100">
+              <a:solidFill>
+                <a:srgbClr val="FF0000"/>
+              </a:solidFill>
+            </a:ln>
+          </p:spPr>
+          <p:style>
+            <a:lnRef idx="2">
+              <a:schemeClr val="accent1">
+                <a:shade val="50000"/>
+              </a:schemeClr>
+            </a:lnRef>
+            <a:fillRef idx="1">
+              <a:schemeClr val="accent1"/>
+            </a:fillRef>
+            <a:effectRef idx="0">
+              <a:schemeClr val="accent1"/>
+            </a:effectRef>
+            <a:fontRef idx="minor">
+              <a:schemeClr val="lt1"/>
+            </a:fontRef>
+          </p:style>
+          <p:txBody>
+            <a:bodyPr rtlCol="0" anchor="ctr"/>
+            <a:lstStyle/>
+            <a:p>
+              <a:pPr algn="ctr"/>
+              <a:endParaRPr lang="ko-KR" altLang="en-US"/>
+            </a:p>
+          </p:txBody>
+        </p:sp>
+        <p:sp>
+          <p:nvSpPr>
+            <p:cNvPr id="10" name="TextBox 9">
+              <a:extLst>
+                <a:ext uri="{FF2B5EF4-FFF2-40B4-BE49-F238E27FC236}">
+                  <a16:creationId xmlns:a16="http://schemas.microsoft.com/office/drawing/2014/main" id="{B4E314D9-CB6D-BC88-9C45-29D4D99D367A}"/>
+                </a:ext>
+              </a:extLst>
+            </p:cNvPr>
+            <p:cNvSpPr txBox="1"/>
+            <p:nvPr/>
+          </p:nvSpPr>
+          <p:spPr>
+            <a:xfrm>
+              <a:off x="624297" y="2155629"/>
+              <a:ext cx="678723" cy="369332"/>
+            </a:xfrm>
+            <a:prstGeom prst="rect">
+              <a:avLst/>
+            </a:prstGeom>
+            <a:noFill/>
+          </p:spPr>
+          <p:txBody>
+            <a:bodyPr wrap="square" rtlCol="0">
+              <a:spAutoFit/>
+            </a:bodyPr>
+            <a:lstStyle/>
+            <a:p>
+              <a:r>
+                <a:rPr lang="ko-KR" altLang="en-US">
+                  <a:solidFill>
+                    <a:srgbClr val="FF0000"/>
+                  </a:solidFill>
+                </a:rPr>
+                <a:t>하나</a:t>
+              </a:r>
+              <a:endParaRPr lang="ko-KR" altLang="en-US" dirty="0">
                 <a:solidFill>
                   <a:srgbClr val="FF0000"/>
                 </a:solidFill>
-              </a:rPr>
-              <a:t>하나</a:t>
-            </a:r>
-            <a:endParaRPr lang="ko-KR" altLang="en-US" dirty="0">
+              </a:endParaRPr>
+            </a:p>
+          </p:txBody>
+        </p:sp>
+        <p:sp>
+          <p:nvSpPr>
+            <p:cNvPr id="22" name="TextBox 21">
+              <a:extLst>
+                <a:ext uri="{FF2B5EF4-FFF2-40B4-BE49-F238E27FC236}">
+                  <a16:creationId xmlns:a16="http://schemas.microsoft.com/office/drawing/2014/main" id="{AB67EC4B-0CB9-09D6-01F7-B3754FD6F0B7}"/>
+                </a:ext>
+              </a:extLst>
+            </p:cNvPr>
+            <p:cNvSpPr txBox="1"/>
+            <p:nvPr/>
+          </p:nvSpPr>
+          <p:spPr>
+            <a:xfrm>
+              <a:off x="6340639" y="1594723"/>
+              <a:ext cx="431470" cy="369332"/>
+            </a:xfrm>
+            <a:prstGeom prst="rect">
+              <a:avLst/>
+            </a:prstGeom>
+            <a:noFill/>
+          </p:spPr>
+          <p:txBody>
+            <a:bodyPr wrap="square" rtlCol="0">
+              <a:spAutoFit/>
+            </a:bodyPr>
+            <a:lstStyle/>
+            <a:p>
+              <a:r>
+                <a:rPr lang="ko-KR" altLang="en-US" dirty="0">
+                  <a:solidFill>
+                    <a:srgbClr val="FF0000"/>
+                  </a:solidFill>
+                </a:rPr>
+                <a:t>둘</a:t>
+              </a:r>
+            </a:p>
+          </p:txBody>
+        </p:sp>
+        <p:cxnSp>
+          <p:nvCxnSpPr>
+            <p:cNvPr id="14" name="직선 화살표 연결선 13">
+              <a:extLst>
+                <a:ext uri="{FF2B5EF4-FFF2-40B4-BE49-F238E27FC236}">
+                  <a16:creationId xmlns:a16="http://schemas.microsoft.com/office/drawing/2014/main" id="{A96B2D1F-8262-5271-F684-D6C7E660AD04}"/>
+                </a:ext>
+              </a:extLst>
+            </p:cNvPr>
+            <p:cNvCxnSpPr/>
+            <p:nvPr/>
+          </p:nvCxnSpPr>
+          <p:spPr>
+            <a:xfrm flipV="1">
+              <a:off x="708660" y="2453640"/>
+              <a:ext cx="144780" cy="300990"/>
+            </a:xfrm>
+            <a:prstGeom prst="straightConnector1">
+              <a:avLst/>
+            </a:prstGeom>
+            <a:ln w="38100">
               <a:solidFill>
                 <a:srgbClr val="FF0000"/>
               </a:solidFill>
-            </a:endParaRPr>
-          </a:p>
-        </p:txBody>
-      </p:sp>
-      <p:sp>
-        <p:nvSpPr>
-          <p:cNvPr id="22" name="TextBox 21">
-            <a:extLst>
-              <a:ext uri="{FF2B5EF4-FFF2-40B4-BE49-F238E27FC236}">
-                <a16:creationId xmlns:a16="http://schemas.microsoft.com/office/drawing/2014/main" id="{AB67EC4B-0CB9-09D6-01F7-B3754FD6F0B7}"/>
-              </a:ext>
-            </a:extLst>
-          </p:cNvPr>
-          <p:cNvSpPr txBox="1"/>
-          <p:nvPr/>
-        </p:nvSpPr>
-        <p:spPr>
-          <a:xfrm>
-            <a:off x="6340639" y="1594723"/>
-            <a:ext cx="431470" cy="369332"/>
-          </a:xfrm>
-          <a:prstGeom prst="rect">
-            <a:avLst/>
-          </a:prstGeom>
-          <a:noFill/>
-        </p:spPr>
-        <p:txBody>
-          <a:bodyPr wrap="square" rtlCol="0">
-            <a:spAutoFit/>
-          </a:bodyPr>
-          <a:lstStyle/>
-          <a:p>
-            <a:r>
-              <a:rPr lang="ko-KR" altLang="en-US" dirty="0">
-                <a:solidFill>
-                  <a:srgbClr val="FF0000"/>
-                </a:solidFill>
-              </a:rPr>
-              <a:t>둘</a:t>
-            </a:r>
-          </a:p>
-        </p:txBody>
-      </p:sp>
-      <p:cxnSp>
-        <p:nvCxnSpPr>
-          <p:cNvPr id="14" name="직선 화살표 연결선 13">
-            <a:extLst>
-              <a:ext uri="{FF2B5EF4-FFF2-40B4-BE49-F238E27FC236}">
-                <a16:creationId xmlns:a16="http://schemas.microsoft.com/office/drawing/2014/main" id="{A96B2D1F-8262-5271-F684-D6C7E660AD04}"/>
-              </a:ext>
-            </a:extLst>
-          </p:cNvPr>
-          <p:cNvCxnSpPr/>
-          <p:nvPr/>
-        </p:nvCxnSpPr>
-        <p:spPr>
-          <a:xfrm flipV="1">
-            <a:off x="708660" y="2453640"/>
-            <a:ext cx="144780" cy="300990"/>
-          </a:xfrm>
-          <a:prstGeom prst="straightConnector1">
-            <a:avLst/>
-          </a:prstGeom>
-          <a:ln w="38100">
-            <a:solidFill>
-              <a:srgbClr val="FF0000"/>
-            </a:solidFill>
-            <a:tailEnd type="triangle"/>
-          </a:ln>
-        </p:spPr>
-        <p:style>
-          <a:lnRef idx="1">
-            <a:schemeClr val="accent1"/>
-          </a:lnRef>
-          <a:fillRef idx="0">
-            <a:schemeClr val="accent1"/>
-          </a:fillRef>
-          <a:effectRef idx="0">
-            <a:schemeClr val="accent1"/>
-          </a:effectRef>
-          <a:fontRef idx="minor">
-            <a:schemeClr val="tx1"/>
-          </a:fontRef>
-        </p:style>
-      </p:cxnSp>
-      <p:cxnSp>
-        <p:nvCxnSpPr>
-          <p:cNvPr id="25" name="직선 화살표 연결선 24">
-            <a:extLst>
-              <a:ext uri="{FF2B5EF4-FFF2-40B4-BE49-F238E27FC236}">
-                <a16:creationId xmlns:a16="http://schemas.microsoft.com/office/drawing/2014/main" id="{A6104AAD-1087-170F-79EA-6B20C7687804}"/>
-              </a:ext>
-            </a:extLst>
-          </p:cNvPr>
-          <p:cNvCxnSpPr>
-            <a:cxnSpLocks/>
-          </p:cNvCxnSpPr>
-          <p:nvPr/>
-        </p:nvCxnSpPr>
-        <p:spPr>
-          <a:xfrm flipH="1" flipV="1">
-            <a:off x="6607789" y="1927860"/>
-            <a:ext cx="238819" cy="227769"/>
-          </a:xfrm>
-          <a:prstGeom prst="straightConnector1">
-            <a:avLst/>
-          </a:prstGeom>
-          <a:ln w="38100">
-            <a:solidFill>
-              <a:srgbClr val="FF0000"/>
-            </a:solidFill>
-            <a:tailEnd type="triangle"/>
-          </a:ln>
-        </p:spPr>
-        <p:style>
-          <a:lnRef idx="1">
-            <a:schemeClr val="accent1"/>
-          </a:lnRef>
-          <a:fillRef idx="0">
-            <a:schemeClr val="accent1"/>
-          </a:fillRef>
-          <a:effectRef idx="0">
-            <a:schemeClr val="accent1"/>
-          </a:effectRef>
-          <a:fontRef idx="minor">
-            <a:schemeClr val="tx1"/>
-          </a:fontRef>
-        </p:style>
-      </p:cxnSp>
+              <a:tailEnd type="triangle"/>
+            </a:ln>
+          </p:spPr>
+          <p:style>
+            <a:lnRef idx="1">
+              <a:schemeClr val="accent1"/>
+            </a:lnRef>
+            <a:fillRef idx="0">
+              <a:schemeClr val="accent1"/>
+            </a:fillRef>
+            <a:effectRef idx="0">
+              <a:schemeClr val="accent1"/>
+            </a:effectRef>
+            <a:fontRef idx="minor">
+              <a:schemeClr val="tx1"/>
+            </a:fontRef>
+          </p:style>
+        </p:cxnSp>
+        <p:cxnSp>
+          <p:nvCxnSpPr>
+            <p:cNvPr id="25" name="직선 화살표 연결선 24">
+              <a:extLst>
+                <a:ext uri="{FF2B5EF4-FFF2-40B4-BE49-F238E27FC236}">
+                  <a16:creationId xmlns:a16="http://schemas.microsoft.com/office/drawing/2014/main" id="{A6104AAD-1087-170F-79EA-6B20C7687804}"/>
+                </a:ext>
+              </a:extLst>
+            </p:cNvPr>
+            <p:cNvCxnSpPr>
+              <a:cxnSpLocks/>
+            </p:cNvCxnSpPr>
+            <p:nvPr/>
+          </p:nvCxnSpPr>
+          <p:spPr>
+            <a:xfrm flipH="1" flipV="1">
+              <a:off x="6607789" y="1927860"/>
+              <a:ext cx="238819" cy="227769"/>
+            </a:xfrm>
+            <a:prstGeom prst="straightConnector1">
+              <a:avLst/>
+            </a:prstGeom>
+            <a:ln w="38100">
+              <a:solidFill>
+                <a:srgbClr val="FF0000"/>
+              </a:solidFill>
+              <a:tailEnd type="triangle"/>
+            </a:ln>
+          </p:spPr>
+          <p:style>
+            <a:lnRef idx="1">
+              <a:schemeClr val="accent1"/>
+            </a:lnRef>
+            <a:fillRef idx="0">
+              <a:schemeClr val="accent1"/>
+            </a:fillRef>
+            <a:effectRef idx="0">
+              <a:schemeClr val="accent1"/>
+            </a:effectRef>
+            <a:fontRef idx="minor">
+              <a:schemeClr val="tx1"/>
+            </a:fontRef>
+          </p:style>
+        </p:cxnSp>
+      </p:grpSp>
     </p:spTree>
     <p:extLst>
       <p:ext uri="{BB962C8B-B14F-4D97-AF65-F5344CB8AC3E}">
@@ -12904,6 +12935,32 @@
             <a:r>
               <a:rPr lang="ko-KR" altLang="en-US" sz="4000" dirty="0"/>
               <a:t>페이지 시연</a:t>
+            </a:r>
+            <a:endParaRPr lang="en-US" altLang="ko-KR" sz="4000" dirty="0"/>
+          </a:p>
+          <a:p>
+            <a:pPr marL="857250" indent="-857250">
+              <a:buFont typeface="+mj-lt"/>
+              <a:buAutoNum type="romanUcPeriod"/>
+            </a:pPr>
+            <a:endParaRPr lang="en-US" altLang="ko-KR" sz="4000" dirty="0"/>
+          </a:p>
+          <a:p>
+            <a:pPr marL="857250" indent="-857250">
+              <a:buFont typeface="+mj-lt"/>
+              <a:buAutoNum type="romanUcPeriod"/>
+            </a:pPr>
+            <a:r>
+              <a:rPr lang="ko-KR" altLang="en-US" sz="4000" dirty="0"/>
+              <a:t>마무리 </a:t>
+            </a:r>
+            <a:r>
+              <a:rPr lang="en-US" altLang="ko-KR" sz="4000" dirty="0"/>
+              <a:t>/ </a:t>
+            </a:r>
+            <a:r>
+              <a:rPr lang="ko-KR" altLang="en-US" sz="4000" dirty="0"/>
+              <a:t>소감</a:t>
             </a:r>
             <a:endParaRPr lang="en-US" altLang="ko-KR" sz="4000" dirty="0"/>
           </a:p>
@@ -20994,6 +21051,54 @@
           </a:fontRef>
         </p:style>
       </p:sp>
+      <p:sp>
+        <p:nvSpPr>
+          <p:cNvPr id="2" name="TextBox 1">
+            <a:extLst>
+              <a:ext uri="{FF2B5EF4-FFF2-40B4-BE49-F238E27FC236}">
+                <a16:creationId xmlns:a16="http://schemas.microsoft.com/office/drawing/2014/main" id="{5056C046-BC5E-5C77-3BF0-5584673A58E5}"/>
+              </a:ext>
+            </a:extLst>
+          </p:cNvPr>
+          <p:cNvSpPr txBox="1"/>
+          <p:nvPr/>
+        </p:nvSpPr>
+        <p:spPr>
+          <a:xfrm>
+            <a:off x="1344706" y="2402542"/>
+            <a:ext cx="1783977" cy="2841811"/>
+          </a:xfrm>
+          <a:prstGeom prst="rect">
+            <a:avLst/>
+          </a:prstGeom>
+        </p:spPr>
+        <p:txBody>
+          <a:bodyPr rtlCol="0">
+            <a:normAutofit/>
+          </a:bodyPr>
+          <a:lstStyle/>
+          <a:p>
+            <a:pPr>
+              <a:spcAft>
+                <a:spcPts val="600"/>
+              </a:spcAft>
+            </a:pPr>
+            <a:r>
+              <a:rPr lang="en-US" altLang="ko-KR" sz="10000" dirty="0">
+                <a:solidFill>
+                  <a:schemeClr val="bg1"/>
+                </a:solidFill>
+              </a:rPr>
+              <a:t>IV.</a:t>
+            </a:r>
+            <a:endParaRPr lang="ko-KR" altLang="en-US" sz="10000" dirty="0">
+              <a:solidFill>
+                <a:schemeClr val="bg1"/>
+              </a:solidFill>
+            </a:endParaRPr>
+          </a:p>
+        </p:txBody>
+      </p:sp>
     </p:spTree>
     <p:extLst>
       <p:ext uri="{BB962C8B-B14F-4D97-AF65-F5344CB8AC3E}">
@@ -22902,7 +23007,7 @@
             </a:r>
             <a:r>
               <a:rPr lang="en-US" altLang="ko-KR" dirty="0"/>
-              <a:t>            </a:t>
+              <a:t>           </a:t>
             </a:r>
             <a:r>
               <a:rPr lang="en-US" altLang="ko-KR" dirty="0" err="1"/>
